--- a/3차발표.pptx
+++ b/3차발표.pptx
@@ -321,7 +321,7 @@
             <a:fld id="{F600D546-3F0F-4600-BCC1-7A9656CC2512}" type="datetimeFigureOut">
               <a:rPr lang="ko-KR" altLang="en-US" smtClean="0"/>
               <a:pPr/>
-              <a:t>2019-11-24</a:t>
+              <a:t>2019-12-10</a:t>
             </a:fld>
             <a:endParaRPr lang="ko-KR" altLang="en-US"/>
           </a:p>
@@ -491,7 +491,7 @@
             <a:fld id="{F600D546-3F0F-4600-BCC1-7A9656CC2512}" type="datetimeFigureOut">
               <a:rPr lang="ko-KR" altLang="en-US" smtClean="0"/>
               <a:pPr/>
-              <a:t>2019-11-24</a:t>
+              <a:t>2019-12-10</a:t>
             </a:fld>
             <a:endParaRPr lang="ko-KR" altLang="en-US"/>
           </a:p>
@@ -671,7 +671,7 @@
             <a:fld id="{F600D546-3F0F-4600-BCC1-7A9656CC2512}" type="datetimeFigureOut">
               <a:rPr lang="ko-KR" altLang="en-US" smtClean="0"/>
               <a:pPr/>
-              <a:t>2019-11-24</a:t>
+              <a:t>2019-12-10</a:t>
             </a:fld>
             <a:endParaRPr lang="ko-KR" altLang="en-US"/>
           </a:p>
@@ -841,7 +841,7 @@
             <a:fld id="{F600D546-3F0F-4600-BCC1-7A9656CC2512}" type="datetimeFigureOut">
               <a:rPr lang="ko-KR" altLang="en-US" smtClean="0"/>
               <a:pPr/>
-              <a:t>2019-11-24</a:t>
+              <a:t>2019-12-10</a:t>
             </a:fld>
             <a:endParaRPr lang="ko-KR" altLang="en-US"/>
           </a:p>
@@ -1088,7 +1088,7 @@
             <a:fld id="{F600D546-3F0F-4600-BCC1-7A9656CC2512}" type="datetimeFigureOut">
               <a:rPr lang="ko-KR" altLang="en-US" smtClean="0"/>
               <a:pPr/>
-              <a:t>2019-11-24</a:t>
+              <a:t>2019-12-10</a:t>
             </a:fld>
             <a:endParaRPr lang="ko-KR" altLang="en-US"/>
           </a:p>
@@ -1375,7 +1375,7 @@
             <a:fld id="{F600D546-3F0F-4600-BCC1-7A9656CC2512}" type="datetimeFigureOut">
               <a:rPr lang="ko-KR" altLang="en-US" smtClean="0"/>
               <a:pPr/>
-              <a:t>2019-11-24</a:t>
+              <a:t>2019-12-10</a:t>
             </a:fld>
             <a:endParaRPr lang="ko-KR" altLang="en-US"/>
           </a:p>
@@ -1796,7 +1796,7 @@
             <a:fld id="{F600D546-3F0F-4600-BCC1-7A9656CC2512}" type="datetimeFigureOut">
               <a:rPr lang="ko-KR" altLang="en-US" smtClean="0"/>
               <a:pPr/>
-              <a:t>2019-11-24</a:t>
+              <a:t>2019-12-10</a:t>
             </a:fld>
             <a:endParaRPr lang="ko-KR" altLang="en-US"/>
           </a:p>
@@ -1915,7 +1915,7 @@
             <a:fld id="{F600D546-3F0F-4600-BCC1-7A9656CC2512}" type="datetimeFigureOut">
               <a:rPr lang="ko-KR" altLang="en-US" smtClean="0"/>
               <a:pPr/>
-              <a:t>2019-11-24</a:t>
+              <a:t>2019-12-10</a:t>
             </a:fld>
             <a:endParaRPr lang="ko-KR" altLang="en-US"/>
           </a:p>
@@ -2012,7 +2012,7 @@
             <a:fld id="{F600D546-3F0F-4600-BCC1-7A9656CC2512}" type="datetimeFigureOut">
               <a:rPr lang="ko-KR" altLang="en-US" smtClean="0"/>
               <a:pPr/>
-              <a:t>2019-11-24</a:t>
+              <a:t>2019-12-10</a:t>
             </a:fld>
             <a:endParaRPr lang="ko-KR" altLang="en-US"/>
           </a:p>
@@ -2289,7 +2289,7 @@
             <a:fld id="{F600D546-3F0F-4600-BCC1-7A9656CC2512}" type="datetimeFigureOut">
               <a:rPr lang="ko-KR" altLang="en-US" smtClean="0"/>
               <a:pPr/>
-              <a:t>2019-11-24</a:t>
+              <a:t>2019-12-10</a:t>
             </a:fld>
             <a:endParaRPr lang="ko-KR" altLang="en-US"/>
           </a:p>
@@ -2543,7 +2543,7 @@
             <a:fld id="{F600D546-3F0F-4600-BCC1-7A9656CC2512}" type="datetimeFigureOut">
               <a:rPr lang="ko-KR" altLang="en-US" smtClean="0"/>
               <a:pPr/>
-              <a:t>2019-11-24</a:t>
+              <a:t>2019-12-10</a:t>
             </a:fld>
             <a:endParaRPr lang="ko-KR" altLang="en-US"/>
           </a:p>
@@ -2756,7 +2756,7 @@
             <a:fld id="{F600D546-3F0F-4600-BCC1-7A9656CC2512}" type="datetimeFigureOut">
               <a:rPr lang="ko-KR" altLang="en-US" smtClean="0"/>
               <a:pPr/>
-              <a:t>2019-11-24</a:t>
+              <a:t>2019-12-10</a:t>
             </a:fld>
             <a:endParaRPr lang="ko-KR" altLang="en-US"/>
           </a:p>
@@ -3826,7 +3826,7 @@
         <p:spPr>
           <a:xfrm>
             <a:off x="1763688" y="2048413"/>
-            <a:ext cx="3653890" cy="1107996"/>
+            <a:ext cx="4189890" cy="1107996"/>
           </a:xfrm>
           <a:prstGeom prst="rect">
             <a:avLst/>
@@ -3839,7 +3839,7 @@
           <a:lstStyle/>
           <a:p>
             <a:r>
-              <a:rPr lang="en-US" altLang="ko-KR" sz="6600" b="1" dirty="0">
+              <a:rPr lang="ko-KR" altLang="en-US" sz="6600" b="1">
                 <a:ln w="3175">
                   <a:solidFill>
                     <a:schemeClr val="bg1">
@@ -3853,7 +3853,7 @@
                 <a:latin typeface="나눔고딕 ExtraBold" panose="020B0600000101010101" charset="-127"/>
                 <a:ea typeface="나눔고딕 ExtraBold" panose="020B0600000101010101" charset="-127"/>
               </a:rPr>
-              <a:t>3</a:t>
+              <a:t>최종 </a:t>
             </a:r>
             <a:r>
               <a:rPr lang="ko-KR" altLang="en-US" sz="6600" b="1" dirty="0">
@@ -3870,7 +3870,7 @@
                 <a:latin typeface="나눔고딕 ExtraBold" panose="020B0600000101010101" charset="-127"/>
                 <a:ea typeface="나눔고딕 ExtraBold" panose="020B0600000101010101" charset="-127"/>
               </a:rPr>
-              <a:t>차 발표</a:t>
+              <a:t>발표</a:t>
             </a:r>
             <a:endParaRPr lang="en-US" altLang="ko-KR" sz="6600" b="1" dirty="0">
               <a:ln w="3175">
@@ -4197,14 +4197,14 @@
           <p:nvPr>
             <p:extLst>
               <p:ext uri="{D42A27DB-BD31-4B8C-83A1-F6EECF244321}">
-                <p14:modId xmlns:p14="http://schemas.microsoft.com/office/powerpoint/2010/main" val="4028943055"/>
+                <p14:modId xmlns:p14="http://schemas.microsoft.com/office/powerpoint/2010/main" val="2635945999"/>
               </p:ext>
             </p:extLst>
           </p:nvPr>
         </p:nvGraphicFramePr>
         <p:xfrm>
           <a:off x="467544" y="927122"/>
-          <a:ext cx="7848872" cy="4863307"/>
+          <a:ext cx="7848872" cy="5137627"/>
         </p:xfrm>
         <a:graphic>
           <a:graphicData uri="http://schemas.openxmlformats.org/drawingml/2006/table">
@@ -4345,8 +4345,12 @@
                     <a:p>
                       <a:pPr latinLnBrk="1"/>
                       <a:r>
+                        <a:rPr lang="ko-KR" altLang="en-US" dirty="0"/>
+                        <a:t>움직이는 </a:t>
+                      </a:r>
+                      <a:r>
                         <a:rPr lang="ko-KR" altLang="en-US" dirty="0" err="1"/>
-                        <a:t>구현못함</a:t>
+                        <a:t>맵구현</a:t>
                       </a:r>
                       <a:endParaRPr lang="ko-KR" altLang="en-US" dirty="0"/>
                     </a:p>
@@ -4361,7 +4365,7 @@
                       <a:pPr latinLnBrk="1"/>
                       <a:r>
                         <a:rPr lang="en-US" altLang="ko-KR" dirty="0"/>
-                        <a:t>0%</a:t>
+                        <a:t>100%</a:t>
                       </a:r>
                       <a:endParaRPr lang="ko-KR" altLang="en-US" dirty="0"/>
                     </a:p>
@@ -4509,7 +4513,15 @@
                       <a:pPr latinLnBrk="1"/>
                       <a:r>
                         <a:rPr lang="ko-KR" altLang="en-US" dirty="0"/>
-                        <a:t>없음</a:t>
+                        <a:t>효과음이 배경음하고 겹치면 </a:t>
+                      </a:r>
+                      <a:r>
+                        <a:rPr lang="ko-KR" altLang="en-US" dirty="0" err="1"/>
+                        <a:t>안들려서</a:t>
+                      </a:r>
+                      <a:r>
+                        <a:rPr lang="ko-KR" altLang="en-US" dirty="0"/>
+                        <a:t> 효과음 제거</a:t>
                       </a:r>
                     </a:p>
                   </a:txBody>
@@ -4523,7 +4535,7 @@
                       <a:pPr latinLnBrk="1"/>
                       <a:r>
                         <a:rPr lang="en-US" altLang="ko-KR" dirty="0"/>
-                        <a:t>0%</a:t>
+                        <a:t>50%</a:t>
                       </a:r>
                       <a:endParaRPr lang="ko-KR" altLang="en-US" dirty="0"/>
                     </a:p>
@@ -4723,7 +4735,7 @@
                       <a:pPr latinLnBrk="1"/>
                       <a:r>
                         <a:rPr lang="en-US" altLang="ko-KR" dirty="0"/>
-                        <a:t>90%</a:t>
+                        <a:t>100%</a:t>
                       </a:r>
                       <a:endParaRPr lang="ko-KR" altLang="en-US" dirty="0"/>
                     </a:p>
@@ -4743,7 +4755,7 @@
                     <a:lstStyle/>
                     <a:p>
                       <a:pPr latinLnBrk="1"/>
-                      <a:endParaRPr lang="ko-KR" altLang="en-US"/>
+                      <a:endParaRPr lang="ko-KR" altLang="en-US" dirty="0"/>
                     </a:p>
                   </a:txBody>
                   <a:tcPr/>
